--- a/doc/workshop/ExternalModels/externalModels.pptx
+++ b/doc/workshop/ExternalModels/externalModels.pptx
@@ -209,7 +209,7 @@
           <a:p>
             <a:fld id="{9909992B-A26C-6A4B-AC27-2602734F2866}" type="datetimeFigureOut">
               <a:rPr lang="en-US" smtClean="0"/>
-              <a:t>7/5/24</a:t>
+              <a:t>7/10/24</a:t>
             </a:fld>
             <a:endParaRPr lang="en-US"/>
           </a:p>
@@ -1128,7 +1128,7 @@
           <a:p>
             <a:fld id="{27CD4A3B-E186-AB40-96C6-355AF9A6FE76}" type="datetimeFigureOut">
               <a:rPr lang="en-US" smtClean="0"/>
-              <a:t>7/5/24</a:t>
+              <a:t>7/10/24</a:t>
             </a:fld>
             <a:endParaRPr lang="en-US"/>
           </a:p>
@@ -1756,7 +1756,7 @@
           <a:p>
             <a:fld id="{27CD4A3B-E186-AB40-96C6-355AF9A6FE76}" type="datetimeFigureOut">
               <a:rPr lang="en-US" smtClean="0"/>
-              <a:t>7/5/24</a:t>
+              <a:t>7/10/24</a:t>
             </a:fld>
             <a:endParaRPr lang="en-US"/>
           </a:p>
@@ -2088,7 +2088,7 @@
           <a:p>
             <a:fld id="{27CD4A3B-E186-AB40-96C6-355AF9A6FE76}" type="datetimeFigureOut">
               <a:rPr lang="en-US" smtClean="0"/>
-              <a:t>7/5/24</a:t>
+              <a:t>7/10/24</a:t>
             </a:fld>
             <a:endParaRPr lang="en-US"/>
           </a:p>
@@ -2360,7 +2360,7 @@
           <a:p>
             <a:fld id="{27CD4A3B-E186-AB40-96C6-355AF9A6FE76}" type="datetimeFigureOut">
               <a:rPr lang="en-US" smtClean="0"/>
-              <a:t>7/5/24</a:t>
+              <a:t>7/10/24</a:t>
             </a:fld>
             <a:endParaRPr lang="en-US"/>
           </a:p>
@@ -2632,7 +2632,7 @@
           <a:p>
             <a:fld id="{27CD4A3B-E186-AB40-96C6-355AF9A6FE76}" type="datetimeFigureOut">
               <a:rPr lang="en-US" smtClean="0"/>
-              <a:t>7/5/24</a:t>
+              <a:t>7/10/24</a:t>
             </a:fld>
             <a:endParaRPr lang="en-US"/>
           </a:p>
@@ -3291,7 +3291,7 @@
           <a:p>
             <a:fld id="{27CD4A3B-E186-AB40-96C6-355AF9A6FE76}" type="datetimeFigureOut">
               <a:rPr lang="en-US" smtClean="0"/>
-              <a:t>7/5/24</a:t>
+              <a:t>7/10/24</a:t>
             </a:fld>
             <a:endParaRPr lang="en-US"/>
           </a:p>
@@ -3623,7 +3623,7 @@
           <a:p>
             <a:fld id="{27CD4A3B-E186-AB40-96C6-355AF9A6FE76}" type="datetimeFigureOut">
               <a:rPr lang="en-US" smtClean="0"/>
-              <a:t>7/5/24</a:t>
+              <a:t>7/10/24</a:t>
             </a:fld>
             <a:endParaRPr lang="en-US"/>
           </a:p>
@@ -3771,7 +3771,7 @@
           <a:p>
             <a:fld id="{27CD4A3B-E186-AB40-96C6-355AF9A6FE76}" type="datetimeFigureOut">
               <a:rPr lang="en-US" smtClean="0"/>
-              <a:t>7/5/24</a:t>
+              <a:t>7/10/24</a:t>
             </a:fld>
             <a:endParaRPr lang="en-US"/>
           </a:p>
@@ -4125,7 +4125,7 @@
           <a:p>
             <a:fld id="{27CD4A3B-E186-AB40-96C6-355AF9A6FE76}" type="datetimeFigureOut">
               <a:rPr lang="en-US" smtClean="0"/>
-              <a:t>7/5/24</a:t>
+              <a:t>7/10/24</a:t>
             </a:fld>
             <a:endParaRPr lang="en-US"/>
           </a:p>
@@ -4335,7 +4335,7 @@
           <a:p>
             <a:fld id="{27CD4A3B-E186-AB40-96C6-355AF9A6FE76}" type="datetimeFigureOut">
               <a:rPr lang="en-US" smtClean="0"/>
-              <a:t>7/5/24</a:t>
+              <a:t>7/10/24</a:t>
             </a:fld>
             <a:endParaRPr lang="en-US"/>
           </a:p>
@@ -4602,7 +4602,7 @@
           <a:p>
             <a:fld id="{27CD4A3B-E186-AB40-96C6-355AF9A6FE76}" type="datetimeFigureOut">
               <a:rPr lang="en-US" smtClean="0"/>
-              <a:t>7/5/24</a:t>
+              <a:t>7/10/24</a:t>
             </a:fld>
             <a:endParaRPr lang="en-US"/>
           </a:p>
@@ -4874,7 +4874,7 @@
           <a:p>
             <a:fld id="{27CD4A3B-E186-AB40-96C6-355AF9A6FE76}" type="datetimeFigureOut">
               <a:rPr lang="en-US" smtClean="0"/>
-              <a:t>7/5/24</a:t>
+              <a:t>7/10/24</a:t>
             </a:fld>
             <a:endParaRPr lang="en-US"/>
           </a:p>
@@ -5161,7 +5161,7 @@
           <a:p>
             <a:fld id="{27CD4A3B-E186-AB40-96C6-355AF9A6FE76}" type="datetimeFigureOut">
               <a:rPr lang="en-US" smtClean="0"/>
-              <a:t>7/5/24</a:t>
+              <a:t>7/10/24</a:t>
             </a:fld>
             <a:endParaRPr lang="en-US"/>
           </a:p>
@@ -5555,7 +5555,7 @@
             <a:fld id="{27CD4A3B-E186-AB40-96C6-355AF9A6FE76}" type="datetimeFigureOut">
               <a:rPr lang="en-US" smtClean="0"/>
               <a:pPr/>
-              <a:t>7/5/24</a:t>
+              <a:t>7/10/24</a:t>
             </a:fld>
             <a:endParaRPr lang="en-US"/>
           </a:p>
@@ -12342,7 +12342,17 @@
           <a:p>
             <a:r>
               <a:rPr lang="en-US" dirty="0"/>
-              <a:t>External models: Python-based modules</a:t>
+              <a:t>External models: </a:t>
+            </a:r>
+            <a:r>
+              <a:rPr lang="en-US" sz="1800" dirty="0">
+                <a:latin typeface="Courier" pitchFamily="2" charset="0"/>
+              </a:rPr>
+              <a:t>Python</a:t>
+            </a:r>
+            <a:r>
+              <a:rPr lang="en-US" dirty="0"/>
+              <a:t>-based modules</a:t>
             </a:r>
           </a:p>
           <a:p>
@@ -13782,8 +13792,8 @@
           </a:p>
         </p:txBody>
       </p:sp>
-      <mc:AlternateContent xmlns:mc="http://schemas.openxmlformats.org/markup-compatibility/2006">
-        <mc:Choice xmlns:a14="http://schemas.microsoft.com/office/drawing/2010/main" Requires="a14">
+      <mc:AlternateContent xmlns:mc="http://schemas.openxmlformats.org/markup-compatibility/2006" xmlns:a14="http://schemas.microsoft.com/office/drawing/2010/main">
+        <mc:Choice Requires="a14">
           <p:sp>
             <p:nvSpPr>
               <p:cNvPr id="3" name="Content Placeholder 2">
@@ -14073,7 +14083,7 @@
             </p:txBody>
           </p:sp>
         </mc:Choice>
-        <mc:Fallback>
+        <mc:Fallback xmlns="">
           <p:sp>
             <p:nvSpPr>
               <p:cNvPr id="3" name="Content Placeholder 2">
@@ -17490,8 +17500,8 @@
           </a:p>
         </p:txBody>
       </p:sp>
-      <mc:AlternateContent xmlns:mc="http://schemas.openxmlformats.org/markup-compatibility/2006">
-        <mc:Choice xmlns:a14="http://schemas.microsoft.com/office/drawing/2010/main" Requires="a14">
+      <mc:AlternateContent xmlns:mc="http://schemas.openxmlformats.org/markup-compatibility/2006" xmlns:a14="http://schemas.microsoft.com/office/drawing/2010/main">
+        <mc:Choice Requires="a14">
           <p:sp>
             <p:nvSpPr>
               <p:cNvPr id="3" name="Content Placeholder 2">
@@ -17727,7 +17737,7 @@
             </p:txBody>
           </p:sp>
         </mc:Choice>
-        <mc:Fallback>
+        <mc:Fallback xmlns="">
           <p:sp>
             <p:nvSpPr>
               <p:cNvPr id="3" name="Content Placeholder 2">
@@ -18372,8 +18382,8 @@
           </a:fontRef>
         </p:style>
       </p:cxnSp>
-      <mc:AlternateContent xmlns:mc="http://schemas.openxmlformats.org/markup-compatibility/2006">
-        <mc:Choice xmlns:a14="http://schemas.microsoft.com/office/drawing/2010/main" Requires="a14">
+      <mc:AlternateContent xmlns:mc="http://schemas.openxmlformats.org/markup-compatibility/2006" xmlns:a14="http://schemas.microsoft.com/office/drawing/2010/main">
+        <mc:Choice Requires="a14">
           <p:sp>
             <p:nvSpPr>
               <p:cNvPr id="13" name="TextBox 12">
@@ -18441,7 +18451,7 @@
             </p:txBody>
           </p:sp>
         </mc:Choice>
-        <mc:Fallback>
+        <mc:Fallback xmlns="">
           <p:sp>
             <p:nvSpPr>
               <p:cNvPr id="13" name="TextBox 12">
@@ -18486,8 +18496,8 @@
           </p:sp>
         </mc:Fallback>
       </mc:AlternateContent>
-      <mc:AlternateContent xmlns:mc="http://schemas.openxmlformats.org/markup-compatibility/2006">
-        <mc:Choice xmlns:a14="http://schemas.microsoft.com/office/drawing/2010/main" Requires="a14">
+      <mc:AlternateContent xmlns:mc="http://schemas.openxmlformats.org/markup-compatibility/2006" xmlns:a14="http://schemas.microsoft.com/office/drawing/2010/main">
+        <mc:Choice Requires="a14">
           <p:sp>
             <p:nvSpPr>
               <p:cNvPr id="14" name="TextBox 13">
@@ -18554,7 +18564,7 @@
             </p:txBody>
           </p:sp>
         </mc:Choice>
-        <mc:Fallback>
+        <mc:Fallback xmlns="">
           <p:sp>
             <p:nvSpPr>
               <p:cNvPr id="14" name="TextBox 13">
@@ -20514,21 +20524,12 @@
 </file>
 
 <file path=customXml/item1.xml><?xml version="1.0" encoding="utf-8"?>
-<p:properties xmlns:p="http://schemas.microsoft.com/office/2006/metadata/properties" xmlns:xsi="http://www.w3.org/2001/XMLSchema-instance" xmlns:pc="http://schemas.microsoft.com/office/infopath/2007/PartnerControls">
-  <documentManagement>
-    <SharedWithUsers xmlns="2391d807-f94f-4c4f-bb14-493106c624c2">
-      <UserInfo>
-        <DisplayName/>
-        <AccountId xsi:nil="true"/>
-        <AccountType/>
-      </UserInfo>
-    </SharedWithUsers>
-    <TaxCatchAll xmlns="42ea9b75-b306-4826-8769-4c6ad6718b67" xsi:nil="true"/>
-    <lcf76f155ced4ddcb4097134ff3c332f xmlns="2391d807-f94f-4c4f-bb14-493106c624c2">
-      <Terms xmlns="http://schemas.microsoft.com/office/infopath/2007/PartnerControls"/>
-    </lcf76f155ced4ddcb4097134ff3c332f>
-  </documentManagement>
-</p:properties>
+<?mso-contentType ?>
+<FormTemplates xmlns="http://schemas.microsoft.com/sharepoint/v3/contenttype/forms">
+  <Display>DocumentLibraryForm</Display>
+  <Edit>DocumentLibraryForm</Edit>
+  <New>DocumentLibraryForm</New>
+</FormTemplates>
 </file>
 
 <file path=customXml/item2.xml><?xml version="1.0" encoding="utf-8"?>
@@ -20747,21 +20748,27 @@
 </file>
 
 <file path=customXml/item3.xml><?xml version="1.0" encoding="utf-8"?>
-<?mso-contentType ?>
-<FormTemplates xmlns="http://schemas.microsoft.com/sharepoint/v3/contenttype/forms">
-  <Display>DocumentLibraryForm</Display>
-  <Edit>DocumentLibraryForm</Edit>
-  <New>DocumentLibraryForm</New>
-</FormTemplates>
+<p:properties xmlns:p="http://schemas.microsoft.com/office/2006/metadata/properties" xmlns:xsi="http://www.w3.org/2001/XMLSchema-instance" xmlns:pc="http://schemas.microsoft.com/office/infopath/2007/PartnerControls">
+  <documentManagement>
+    <SharedWithUsers xmlns="2391d807-f94f-4c4f-bb14-493106c624c2">
+      <UserInfo>
+        <DisplayName/>
+        <AccountId xsi:nil="true"/>
+        <AccountType/>
+      </UserInfo>
+    </SharedWithUsers>
+    <TaxCatchAll xmlns="42ea9b75-b306-4826-8769-4c6ad6718b67" xsi:nil="true"/>
+    <lcf76f155ced4ddcb4097134ff3c332f xmlns="2391d807-f94f-4c4f-bb14-493106c624c2">
+      <Terms xmlns="http://schemas.microsoft.com/office/infopath/2007/PartnerControls"/>
+    </lcf76f155ced4ddcb4097134ff3c332f>
+  </documentManagement>
+</p:properties>
 </file>
 
 <file path=customXml/itemProps1.xml><?xml version="1.0" encoding="utf-8"?>
-<ds:datastoreItem xmlns:ds="http://schemas.openxmlformats.org/officeDocument/2006/customXml" ds:itemID="{21A68D4D-9402-4485-B11D-8DDDCEB2E4C5}">
+<ds:datastoreItem xmlns:ds="http://schemas.openxmlformats.org/officeDocument/2006/customXml" ds:itemID="{0322932C-873F-4D0F-B9E0-AE16472CDC1C}">
   <ds:schemaRefs>
-    <ds:schemaRef ds:uri="http://schemas.microsoft.com/office/2006/metadata/properties"/>
-    <ds:schemaRef ds:uri="http://schemas.microsoft.com/office/infopath/2007/PartnerControls"/>
-    <ds:schemaRef ds:uri="2391d807-f94f-4c4f-bb14-493106c624c2"/>
-    <ds:schemaRef ds:uri="42ea9b75-b306-4826-8769-4c6ad6718b67"/>
+    <ds:schemaRef ds:uri="http://schemas.microsoft.com/sharepoint/v3/contenttype/forms"/>
   </ds:schemaRefs>
 </ds:datastoreItem>
 </file>
@@ -20786,9 +20793,12 @@
 </file>
 
 <file path=customXml/itemProps3.xml><?xml version="1.0" encoding="utf-8"?>
-<ds:datastoreItem xmlns:ds="http://schemas.openxmlformats.org/officeDocument/2006/customXml" ds:itemID="{0322932C-873F-4D0F-B9E0-AE16472CDC1C}">
+<ds:datastoreItem xmlns:ds="http://schemas.openxmlformats.org/officeDocument/2006/customXml" ds:itemID="{21A68D4D-9402-4485-B11D-8DDDCEB2E4C5}">
   <ds:schemaRefs>
-    <ds:schemaRef ds:uri="http://schemas.microsoft.com/sharepoint/v3/contenttype/forms"/>
+    <ds:schemaRef ds:uri="http://schemas.microsoft.com/office/2006/metadata/properties"/>
+    <ds:schemaRef ds:uri="http://schemas.microsoft.com/office/infopath/2007/PartnerControls"/>
+    <ds:schemaRef ds:uri="2391d807-f94f-4c4f-bb14-493106c624c2"/>
+    <ds:schemaRef ds:uri="42ea9b75-b306-4826-8769-4c6ad6718b67"/>
   </ds:schemaRefs>
 </ds:datastoreItem>
 </file>